--- a/ChartOfCharts/ChartOfCharts_Printout.pptx
+++ b/ChartOfCharts/ChartOfCharts_Printout.pptx
@@ -192,7 +192,7 @@
           <a:p>
             <a:fld id="{EE007459-0C9C-4348-B1F4-9337CECDA70D}" type="datetimeFigureOut">
               <a:rPr lang="de-DE" smtClean="0"/>
-              <a:t>08.10.2019</a:t>
+              <a:t>11.10.2019</a:t>
             </a:fld>
             <a:endParaRPr lang="de-DE"/>
           </a:p>
@@ -725,7 +725,7 @@
           <a:p>
             <a:fld id="{0C90CA1A-DD50-4C0B-9953-823B19702567}" type="datetimeFigureOut">
               <a:rPr lang="de-DE" smtClean="0"/>
-              <a:t>08.10.2019</a:t>
+              <a:t>11.10.2019</a:t>
             </a:fld>
             <a:endParaRPr lang="de-DE"/>
           </a:p>
@@ -895,7 +895,7 @@
           <a:p>
             <a:fld id="{0C90CA1A-DD50-4C0B-9953-823B19702567}" type="datetimeFigureOut">
               <a:rPr lang="de-DE" smtClean="0"/>
-              <a:t>08.10.2019</a:t>
+              <a:t>11.10.2019</a:t>
             </a:fld>
             <a:endParaRPr lang="de-DE"/>
           </a:p>
@@ -1075,7 +1075,7 @@
           <a:p>
             <a:fld id="{0C90CA1A-DD50-4C0B-9953-823B19702567}" type="datetimeFigureOut">
               <a:rPr lang="de-DE" smtClean="0"/>
-              <a:t>08.10.2019</a:t>
+              <a:t>11.10.2019</a:t>
             </a:fld>
             <a:endParaRPr lang="de-DE"/>
           </a:p>
@@ -1245,7 +1245,7 @@
           <a:p>
             <a:fld id="{0C90CA1A-DD50-4C0B-9953-823B19702567}" type="datetimeFigureOut">
               <a:rPr lang="de-DE" smtClean="0"/>
-              <a:t>08.10.2019</a:t>
+              <a:t>11.10.2019</a:t>
             </a:fld>
             <a:endParaRPr lang="de-DE"/>
           </a:p>
@@ -1491,7 +1491,7 @@
           <a:p>
             <a:fld id="{0C90CA1A-DD50-4C0B-9953-823B19702567}" type="datetimeFigureOut">
               <a:rPr lang="de-DE" smtClean="0"/>
-              <a:t>08.10.2019</a:t>
+              <a:t>11.10.2019</a:t>
             </a:fld>
             <a:endParaRPr lang="de-DE"/>
           </a:p>
@@ -1779,7 +1779,7 @@
           <a:p>
             <a:fld id="{0C90CA1A-DD50-4C0B-9953-823B19702567}" type="datetimeFigureOut">
               <a:rPr lang="de-DE" smtClean="0"/>
-              <a:t>08.10.2019</a:t>
+              <a:t>11.10.2019</a:t>
             </a:fld>
             <a:endParaRPr lang="de-DE"/>
           </a:p>
@@ -2206,7 +2206,7 @@
           <a:p>
             <a:fld id="{0C90CA1A-DD50-4C0B-9953-823B19702567}" type="datetimeFigureOut">
               <a:rPr lang="de-DE" smtClean="0"/>
-              <a:t>08.10.2019</a:t>
+              <a:t>11.10.2019</a:t>
             </a:fld>
             <a:endParaRPr lang="de-DE"/>
           </a:p>
@@ -2324,7 +2324,7 @@
           <a:p>
             <a:fld id="{0C90CA1A-DD50-4C0B-9953-823B19702567}" type="datetimeFigureOut">
               <a:rPr lang="de-DE" smtClean="0"/>
-              <a:t>08.10.2019</a:t>
+              <a:t>11.10.2019</a:t>
             </a:fld>
             <a:endParaRPr lang="de-DE"/>
           </a:p>
@@ -2419,7 +2419,7 @@
           <a:p>
             <a:fld id="{0C90CA1A-DD50-4C0B-9953-823B19702567}" type="datetimeFigureOut">
               <a:rPr lang="de-DE" smtClean="0"/>
-              <a:t>08.10.2019</a:t>
+              <a:t>11.10.2019</a:t>
             </a:fld>
             <a:endParaRPr lang="de-DE"/>
           </a:p>
@@ -2696,7 +2696,7 @@
           <a:p>
             <a:fld id="{0C90CA1A-DD50-4C0B-9953-823B19702567}" type="datetimeFigureOut">
               <a:rPr lang="de-DE" smtClean="0"/>
-              <a:t>08.10.2019</a:t>
+              <a:t>11.10.2019</a:t>
             </a:fld>
             <a:endParaRPr lang="de-DE"/>
           </a:p>
@@ -2949,7 +2949,7 @@
           <a:p>
             <a:fld id="{0C90CA1A-DD50-4C0B-9953-823B19702567}" type="datetimeFigureOut">
               <a:rPr lang="de-DE" smtClean="0"/>
-              <a:t>08.10.2019</a:t>
+              <a:t>11.10.2019</a:t>
             </a:fld>
             <a:endParaRPr lang="de-DE"/>
           </a:p>
@@ -3162,7 +3162,7 @@
           <a:p>
             <a:fld id="{0C90CA1A-DD50-4C0B-9953-823B19702567}" type="datetimeFigureOut">
               <a:rPr lang="de-DE" smtClean="0"/>
-              <a:t>08.10.2019</a:t>
+              <a:t>11.10.2019</a:t>
             </a:fld>
             <a:endParaRPr lang="de-DE"/>
           </a:p>
@@ -41305,7 +41305,7 @@
                 </a:solidFill>
                 <a:latin typeface="Fira Sans Extra Condensed" pitchFamily="34" charset="0"/>
               </a:rPr>
-              <a:t>of the Google News Lab:  </a:t>
+              <a:t>of the Google News Lab: </a:t>
             </a:r>
             <a:r>
               <a:rPr lang="en-US" sz="1200" b="1" dirty="0" smtClean="0">
@@ -41338,10 +41338,10 @@
                 </a:solidFill>
                 <a:latin typeface="Fira Sans Extra Condensed" pitchFamily="34" charset="0"/>
               </a:rPr>
-              <a:t>Cairo for art </a:t>
+              <a:t>Cairo for </a:t>
             </a:r>
             <a:r>
-              <a:rPr lang="en-US" sz="1200" b="1" dirty="0" err="1" smtClean="0">
+              <a:rPr lang="en-US" sz="1200" b="1" smtClean="0">
                 <a:solidFill>
                   <a:schemeClr val="bg1">
                     <a:lumMod val="50000"/>
@@ -41349,7 +41349,18 @@
                 </a:solidFill>
                 <a:latin typeface="Fira Sans Extra Condensed" pitchFamily="34" charset="0"/>
               </a:rPr>
-              <a:t>direciton</a:t>
+              <a:t>art </a:t>
+            </a:r>
+            <a:r>
+              <a:rPr lang="en-US" sz="1200" b="1" smtClean="0">
+                <a:solidFill>
+                  <a:schemeClr val="bg1">
+                    <a:lumMod val="50000"/>
+                  </a:schemeClr>
+                </a:solidFill>
+                <a:latin typeface="Fira Sans Extra Condensed" pitchFamily="34" charset="0"/>
+              </a:rPr>
+              <a:t>direction.</a:t>
             </a:r>
             <a:endParaRPr lang="de-DE" sz="1200" b="1" dirty="0">
               <a:solidFill>
